--- a/Arabic/EPIC cut-through v04 22nd Feb 2021.pptx
+++ b/Arabic/EPIC cut-through v04 22nd Feb 2021.pptx
@@ -257,7 +257,7 @@
           <a:p>
             <a:fld id="{2C589450-6D6C-274A-95DB-474DD4720C8A}" type="datetimeFigureOut">
               <a:rPr lang="en-US" smtClean="0"/>
-              <a:t>4/4/21</a:t>
+              <a:t>4/5/2021</a:t>
             </a:fld>
             <a:endParaRPr lang="en-US"/>
           </a:p>
@@ -427,7 +427,7 @@
           <a:p>
             <a:fld id="{2C589450-6D6C-274A-95DB-474DD4720C8A}" type="datetimeFigureOut">
               <a:rPr lang="en-US" smtClean="0"/>
-              <a:t>4/4/21</a:t>
+              <a:t>4/5/2021</a:t>
             </a:fld>
             <a:endParaRPr lang="en-US"/>
           </a:p>
@@ -607,7 +607,7 @@
           <a:p>
             <a:fld id="{2C589450-6D6C-274A-95DB-474DD4720C8A}" type="datetimeFigureOut">
               <a:rPr lang="en-US" smtClean="0"/>
-              <a:t>4/4/21</a:t>
+              <a:t>4/5/2021</a:t>
             </a:fld>
             <a:endParaRPr lang="en-US"/>
           </a:p>
@@ -777,7 +777,7 @@
           <a:p>
             <a:fld id="{2C589450-6D6C-274A-95DB-474DD4720C8A}" type="datetimeFigureOut">
               <a:rPr lang="en-US" smtClean="0"/>
-              <a:t>4/4/21</a:t>
+              <a:t>4/5/2021</a:t>
             </a:fld>
             <a:endParaRPr lang="en-US"/>
           </a:p>
@@ -1021,7 +1021,7 @@
           <a:p>
             <a:fld id="{2C589450-6D6C-274A-95DB-474DD4720C8A}" type="datetimeFigureOut">
               <a:rPr lang="en-US" smtClean="0"/>
-              <a:t>4/4/21</a:t>
+              <a:t>4/5/2021</a:t>
             </a:fld>
             <a:endParaRPr lang="en-US"/>
           </a:p>
@@ -1253,7 +1253,7 @@
           <a:p>
             <a:fld id="{2C589450-6D6C-274A-95DB-474DD4720C8A}" type="datetimeFigureOut">
               <a:rPr lang="en-US" smtClean="0"/>
-              <a:t>4/4/21</a:t>
+              <a:t>4/5/2021</a:t>
             </a:fld>
             <a:endParaRPr lang="en-US"/>
           </a:p>
@@ -1620,7 +1620,7 @@
           <a:p>
             <a:fld id="{2C589450-6D6C-274A-95DB-474DD4720C8A}" type="datetimeFigureOut">
               <a:rPr lang="en-US" smtClean="0"/>
-              <a:t>4/4/21</a:t>
+              <a:t>4/5/2021</a:t>
             </a:fld>
             <a:endParaRPr lang="en-US"/>
           </a:p>
@@ -1738,7 +1738,7 @@
           <a:p>
             <a:fld id="{2C589450-6D6C-274A-95DB-474DD4720C8A}" type="datetimeFigureOut">
               <a:rPr lang="en-US" smtClean="0"/>
-              <a:t>4/4/21</a:t>
+              <a:t>4/5/2021</a:t>
             </a:fld>
             <a:endParaRPr lang="en-US"/>
           </a:p>
@@ -1833,7 +1833,7 @@
           <a:p>
             <a:fld id="{2C589450-6D6C-274A-95DB-474DD4720C8A}" type="datetimeFigureOut">
               <a:rPr lang="en-US" smtClean="0"/>
-              <a:t>4/4/21</a:t>
+              <a:t>4/5/2021</a:t>
             </a:fld>
             <a:endParaRPr lang="en-US"/>
           </a:p>
@@ -2110,7 +2110,7 @@
           <a:p>
             <a:fld id="{2C589450-6D6C-274A-95DB-474DD4720C8A}" type="datetimeFigureOut">
               <a:rPr lang="en-US" smtClean="0"/>
-              <a:t>4/4/21</a:t>
+              <a:t>4/5/2021</a:t>
             </a:fld>
             <a:endParaRPr lang="en-US"/>
           </a:p>
@@ -2367,7 +2367,7 @@
           <a:p>
             <a:fld id="{2C589450-6D6C-274A-95DB-474DD4720C8A}" type="datetimeFigureOut">
               <a:rPr lang="en-US" smtClean="0"/>
-              <a:t>4/4/21</a:t>
+              <a:t>4/5/2021</a:t>
             </a:fld>
             <a:endParaRPr lang="en-US"/>
           </a:p>
@@ -2484,7 +2484,7 @@
           <a:graphicData uri="http://schemas.openxmlformats.org/presentationml/2006/ole">
             <mc:AlternateContent xmlns:mc="http://schemas.openxmlformats.org/markup-compatibility/2006">
               <mc:Choice xmlns:v="urn:schemas-microsoft-com:vml" Requires="v">
-                <p:oleObj spid="_x0000_s1033" name="think-cell Slide" r:id="rId16" imgW="7772400" imgH="10058400" progId="TCLayout.ActiveDocument.1">
+                <p:oleObj spid="_x0000_s1042" name="think-cell Slide" r:id="rId16" imgW="7772400" imgH="10058400" progId="TCLayout.ActiveDocument.1">
                   <p:embed/>
                 </p:oleObj>
               </mc:Choice>
@@ -2711,7 +2711,7 @@
           <a:p>
             <a:fld id="{2C589450-6D6C-274A-95DB-474DD4720C8A}" type="datetimeFigureOut">
               <a:rPr lang="en-US" smtClean="0"/>
-              <a:t>4/4/21</a:t>
+              <a:t>4/5/2021</a:t>
             </a:fld>
             <a:endParaRPr lang="en-US"/>
           </a:p>
@@ -3184,7 +3184,7 @@
           <a:graphicData uri="http://schemas.openxmlformats.org/presentationml/2006/ole">
             <mc:AlternateContent xmlns:mc="http://schemas.openxmlformats.org/markup-compatibility/2006">
               <mc:Choice xmlns:v="urn:schemas-microsoft-com:vml" Requires="v">
-                <p:oleObj spid="_x0000_s2057" name="think-cell Slide" r:id="rId4" imgW="7772400" imgH="10058400" progId="TCLayout.ActiveDocument.1">
+                <p:oleObj spid="_x0000_s2066" name="think-cell Slide" r:id="rId4" imgW="7772400" imgH="10058400" progId="TCLayout.ActiveDocument.1">
                   <p:embed/>
                 </p:oleObj>
               </mc:Choice>
@@ -3681,7 +3681,7 @@
         </p:nvSpPr>
         <p:spPr>
           <a:xfrm>
-            <a:off x="0" y="1"/>
+            <a:off x="9255" y="1"/>
             <a:ext cx="6866857" cy="1185520"/>
           </a:xfrm>
           <a:prstGeom prst="rect">
@@ -3740,7 +3740,7 @@
         </p:blipFill>
         <p:spPr>
           <a:xfrm>
-            <a:off x="5208457" y="316456"/>
+            <a:off x="575490" y="316456"/>
             <a:ext cx="1207483" cy="482162"/>
           </a:xfrm>
           <a:prstGeom prst="rect">
@@ -3748,78 +3748,6 @@
           </a:prstGeom>
         </p:spPr>
       </p:pic>
-      <p:sp>
-        <p:nvSpPr>
-          <p:cNvPr id="74" name="TextBox 73">
-            <a:extLst>
-              <a:ext uri="{FF2B5EF4-FFF2-40B4-BE49-F238E27FC236}">
-                <a16:creationId xmlns:a16="http://schemas.microsoft.com/office/drawing/2014/main" id="{29D9C47A-BE7B-A141-9A12-F042EE60E847}"/>
-              </a:ext>
-            </a:extLst>
-          </p:cNvPr>
-          <p:cNvSpPr txBox="1"/>
-          <p:nvPr/>
-        </p:nvSpPr>
-        <p:spPr>
-          <a:xfrm>
-            <a:off x="309229" y="191168"/>
-            <a:ext cx="2909709" cy="497319"/>
-          </a:xfrm>
-          <a:prstGeom prst="rect">
-            <a:avLst/>
-          </a:prstGeom>
-          <a:noFill/>
-        </p:spPr>
-        <p:txBody>
-          <a:bodyPr wrap="none" lIns="0" rIns="0" rtlCol="0">
-            <a:noAutofit/>
-          </a:bodyPr>
-          <a:lstStyle/>
-          <a:p>
-            <a:pPr algn="ctr">
-              <a:lnSpc>
-                <a:spcPct val="85000"/>
-              </a:lnSpc>
-            </a:pPr>
-            <a:r>
-              <a:rPr lang="ar-SA" sz="2800" b="1" dirty="0">
-                <a:solidFill>
-                  <a:schemeClr val="bg1"/>
-                </a:solidFill>
-                <a:latin typeface="Gotham HTF Black" pitchFamily="2" charset="77"/>
-              </a:rPr>
-              <a:t>قطع الطريق</a:t>
-            </a:r>
-            <a:br>
-              <a:rPr lang="en-US" sz="2800" b="1" dirty="0">
-                <a:solidFill>
-                  <a:schemeClr val="tx1">
-                    <a:lumMod val="75000"/>
-                  </a:schemeClr>
-                </a:solidFill>
-                <a:latin typeface="Gotham HTF Black" pitchFamily="2" charset="77"/>
-              </a:rPr>
-            </a:br>
-            <a:r>
-              <a:rPr lang="ar-SA" sz="3600" b="1" dirty="0">
-                <a:solidFill>
-                  <a:schemeClr val="tx1">
-                    <a:lumMod val="75000"/>
-                  </a:schemeClr>
-                </a:solidFill>
-                <a:latin typeface="Gotham HTF Book" pitchFamily="2" charset="77"/>
-              </a:rPr>
-              <a:t>شرح تفصيلي</a:t>
-            </a:r>
-            <a:endParaRPr lang="en-US" sz="2800" dirty="0">
-              <a:solidFill>
-                <a:schemeClr val="tx2"/>
-              </a:solidFill>
-              <a:latin typeface="Gotham HTF Book" pitchFamily="2" charset="77"/>
-            </a:endParaRPr>
-          </a:p>
-        </p:txBody>
-      </p:sp>
       <p:sp>
         <p:nvSpPr>
           <p:cNvPr id="76" name="Oval 75">
@@ -4250,14 +4178,20 @@
           <a:p>
             <a:pPr algn="ctr"/>
             <a:r>
-              <a:rPr lang="en-US" sz="1400" b="1" dirty="0">
+              <a:rPr lang="ar-SA" sz="1400" b="1" dirty="0">
                 <a:solidFill>
                   <a:schemeClr val="tx2"/>
                 </a:solidFill>
                 <a:latin typeface="Gotham HTF Book" pitchFamily="2" charset="77"/>
               </a:rPr>
-              <a:t>Steve</a:t>
-            </a:r>
+              <a:t>سامي</a:t>
+            </a:r>
+            <a:endParaRPr lang="en-US" sz="1400" b="1" dirty="0">
+              <a:solidFill>
+                <a:schemeClr val="tx2"/>
+              </a:solidFill>
+              <a:latin typeface="Gotham HTF Book" pitchFamily="2" charset="77"/>
+            </a:endParaRPr>
           </a:p>
         </p:txBody>
       </p:sp>
@@ -4291,14 +4225,20 @@
           <a:p>
             <a:pPr algn="ctr"/>
             <a:r>
-              <a:rPr lang="en-US" sz="1400" b="1" dirty="0">
+              <a:rPr lang="ar-SA" sz="1400" b="1" dirty="0">
                 <a:solidFill>
                   <a:schemeClr val="tx2"/>
                 </a:solidFill>
                 <a:latin typeface="Gotham HTF Book" pitchFamily="2" charset="77"/>
               </a:rPr>
-              <a:t>Annie</a:t>
-            </a:r>
+              <a:t>هدي</a:t>
+            </a:r>
+            <a:endParaRPr lang="en-US" sz="1400" b="1" dirty="0">
+              <a:solidFill>
+                <a:schemeClr val="tx2"/>
+              </a:solidFill>
+              <a:latin typeface="Gotham HTF Book" pitchFamily="2" charset="77"/>
+            </a:endParaRPr>
           </a:p>
         </p:txBody>
       </p:sp>
@@ -4332,14 +4272,20 @@
           <a:p>
             <a:pPr algn="ctr"/>
             <a:r>
-              <a:rPr lang="en-US" sz="1400" b="1" dirty="0">
+              <a:rPr lang="ar-SA" sz="1400" b="1" dirty="0">
                 <a:solidFill>
                   <a:schemeClr val="tx2"/>
                 </a:solidFill>
                 <a:latin typeface="Gotham HTF Book" pitchFamily="2" charset="77"/>
               </a:rPr>
-              <a:t>Ralph</a:t>
-            </a:r>
+              <a:t>أحمد</a:t>
+            </a:r>
+            <a:endParaRPr lang="en-US" sz="1400" b="1" dirty="0">
+              <a:solidFill>
+                <a:schemeClr val="tx2"/>
+              </a:solidFill>
+              <a:latin typeface="Gotham HTF Book" pitchFamily="2" charset="77"/>
+            </a:endParaRPr>
           </a:p>
         </p:txBody>
       </p:sp>
@@ -4383,7 +4329,7 @@
                 </a:solidFill>
                 <a:latin typeface="Gotham HTF" pitchFamily="2" charset="77"/>
               </a:rPr>
-              <a:t>صرف</a:t>
+              <a:t>إرسال</a:t>
             </a:r>
             <a:br>
               <a:rPr lang="en-US" sz="1600" dirty="0">
@@ -4409,7 +4355,7 @@
                 </a:solidFill>
                 <a:latin typeface="Gotham HTF" pitchFamily="2" charset="77"/>
               </a:rPr>
-              <a:t>ادخال</a:t>
+              <a:t>مدخلات</a:t>
             </a:r>
             <a:r>
               <a:rPr lang="en-US" sz="1050" dirty="0">
@@ -4495,7 +4441,7 @@
                 </a:solidFill>
                 <a:latin typeface="Gotham HTF" pitchFamily="2" charset="77"/>
               </a:rPr>
-              <a:t>صدور</a:t>
+              <a:t>مخرجات</a:t>
             </a:r>
             <a:r>
               <a:rPr lang="en-US" sz="1050" dirty="0">
@@ -4543,15 +4489,24 @@
           </a:bodyPr>
           <a:lstStyle/>
           <a:p>
-            <a:pPr algn="ctr"/>
-            <a:r>
-              <a:rPr lang="ar-SA" sz="1200" b="1" dirty="0">
+            <a:pPr algn="ctr" rtl="1"/>
+            <a:r>
+              <a:rPr lang="ar-SA" b="1" dirty="0">
                 <a:solidFill>
                   <a:schemeClr val="bg2"/>
                 </a:solidFill>
                 <a:latin typeface="Gotham HTF" pitchFamily="2" charset="77"/>
               </a:rPr>
-              <a:t>حركة</a:t>
+              <a:t>معاملة</a:t>
+            </a:r>
+            <a:r>
+              <a:rPr lang="ar-SA" sz="1200" b="1" dirty="0">
+                <a:solidFill>
+                  <a:schemeClr val="bg2"/>
+                </a:solidFill>
+                <a:latin typeface="Gotham HTF" pitchFamily="2" charset="77"/>
+              </a:rPr>
+              <a:t> </a:t>
             </a:r>
             <a:r>
               <a:rPr lang="en-US" sz="1200" b="1" dirty="0">
@@ -4577,47 +4532,6 @@
               </a:solidFill>
               <a:latin typeface="Gotham HTF" pitchFamily="2" charset="77"/>
             </a:endParaRPr>
-          </a:p>
-        </p:txBody>
-      </p:sp>
-      <p:sp>
-        <p:nvSpPr>
-          <p:cNvPr id="100" name="TextBox 99">
-            <a:extLst>
-              <a:ext uri="{FF2B5EF4-FFF2-40B4-BE49-F238E27FC236}">
-                <a16:creationId xmlns:a16="http://schemas.microsoft.com/office/drawing/2014/main" id="{29541E5B-F38D-744E-AD45-39E340FF040E}"/>
-              </a:ext>
-            </a:extLst>
-          </p:cNvPr>
-          <p:cNvSpPr txBox="1"/>
-          <p:nvPr/>
-        </p:nvSpPr>
-        <p:spPr>
-          <a:xfrm>
-            <a:off x="5558144" y="2877992"/>
-            <a:ext cx="658970" cy="321243"/>
-          </a:xfrm>
-          <a:prstGeom prst="rect">
-            <a:avLst/>
-          </a:prstGeom>
-          <a:noFill/>
-        </p:spPr>
-        <p:txBody>
-          <a:bodyPr wrap="none" lIns="0" rtlCol="0">
-            <a:noAutofit/>
-          </a:bodyPr>
-          <a:lstStyle/>
-          <a:p>
-            <a:pPr marL="0" algn="ctr" defTabSz="457200" rtl="1" eaLnBrk="1" latinLnBrk="0" hangingPunct="1"/>
-            <a:r>
-              <a:rPr lang="en-US" sz="1400" b="1" dirty="0">
-                <a:solidFill>
-                  <a:schemeClr val="tx2"/>
-                </a:solidFill>
-                <a:latin typeface="Gotham HTF Book" pitchFamily="2" charset="77"/>
-              </a:rPr>
-              <a:t>Carol</a:t>
-            </a:r>
           </a:p>
         </p:txBody>
       </p:sp>
@@ -4635,7 +4549,7 @@
         </p:nvSpPr>
         <p:spPr>
           <a:xfrm>
-            <a:off x="2934616" y="4141178"/>
+            <a:off x="3032368" y="4103408"/>
             <a:ext cx="1654446" cy="486306"/>
           </a:xfrm>
           <a:prstGeom prst="rect">
@@ -4649,24 +4563,15 @@
           </a:bodyPr>
           <a:lstStyle/>
           <a:p>
-            <a:pPr algn="ctr"/>
-            <a:r>
-              <a:rPr lang="ar-SA" sz="1200" b="1" dirty="0">
+            <a:pPr algn="ctr" rtl="1"/>
+            <a:r>
+              <a:rPr lang="ar-SA" b="1" dirty="0">
                 <a:solidFill>
                   <a:schemeClr val="bg2"/>
                 </a:solidFill>
                 <a:latin typeface="Gotham HTF" pitchFamily="2" charset="77"/>
               </a:rPr>
-              <a:t>حركة</a:t>
-            </a:r>
-            <a:r>
-              <a:rPr lang="en-US" sz="1200" b="1" dirty="0">
-                <a:solidFill>
-                  <a:schemeClr val="bg2"/>
-                </a:solidFill>
-                <a:latin typeface="Gotham HTF" pitchFamily="2" charset="77"/>
-              </a:rPr>
-              <a:t> </a:t>
+              <a:t>معاملة </a:t>
             </a:r>
             <a:r>
               <a:rPr lang="en-US" b="1" dirty="0">
@@ -4716,14 +4621,20 @@
           <a:p>
             <a:pPr algn="ctr"/>
             <a:r>
-              <a:rPr lang="en-US" sz="1400" b="1" dirty="0">
+              <a:rPr lang="ar-SA" sz="1400" b="1" dirty="0">
                 <a:solidFill>
                   <a:schemeClr val="tx2"/>
                 </a:solidFill>
                 <a:latin typeface="Gotham HTF Book" pitchFamily="2" charset="77"/>
               </a:rPr>
-              <a:t>Ralph</a:t>
-            </a:r>
+              <a:t>أحمد</a:t>
+            </a:r>
+            <a:endParaRPr lang="en-US" sz="1400" b="1" dirty="0">
+              <a:solidFill>
+                <a:schemeClr val="tx2"/>
+              </a:solidFill>
+              <a:latin typeface="Gotham HTF Book" pitchFamily="2" charset="77"/>
+            </a:endParaRPr>
           </a:p>
         </p:txBody>
       </p:sp>
@@ -4755,24 +4666,15 @@
           </a:bodyPr>
           <a:lstStyle/>
           <a:p>
-            <a:pPr algn="ctr"/>
-            <a:r>
-              <a:rPr lang="ar-SA" sz="1200" b="1" dirty="0">
+            <a:pPr algn="ctr" rtl="1"/>
+            <a:r>
+              <a:rPr lang="ar-SA" b="1" dirty="0">
                 <a:solidFill>
                   <a:schemeClr val="bg2"/>
                 </a:solidFill>
                 <a:latin typeface="Gotham HTF" pitchFamily="2" charset="77"/>
               </a:rPr>
-              <a:t>حركة</a:t>
-            </a:r>
-            <a:r>
-              <a:rPr lang="en-US" sz="1200" b="1" dirty="0">
-                <a:solidFill>
-                  <a:schemeClr val="bg2"/>
-                </a:solidFill>
-                <a:latin typeface="Gotham HTF" pitchFamily="2" charset="77"/>
-              </a:rPr>
-              <a:t> </a:t>
+              <a:t>معاملة </a:t>
             </a:r>
             <a:r>
               <a:rPr lang="en-US" b="1" dirty="0">
@@ -4822,14 +4724,20 @@
           <a:p>
             <a:pPr algn="ctr"/>
             <a:r>
-              <a:rPr lang="en-US" sz="1400" b="1" dirty="0">
+              <a:rPr lang="ar-SA" sz="1400" b="1" dirty="0">
                 <a:solidFill>
                   <a:schemeClr val="tx2"/>
                 </a:solidFill>
                 <a:latin typeface="Gotham HTF Book" pitchFamily="2" charset="77"/>
               </a:rPr>
-              <a:t>Anuj</a:t>
-            </a:r>
+              <a:t>كريم</a:t>
+            </a:r>
+            <a:endParaRPr lang="en-US" sz="1400" b="1" dirty="0">
+              <a:solidFill>
+                <a:schemeClr val="tx2"/>
+              </a:solidFill>
+              <a:latin typeface="Gotham HTF Book" pitchFamily="2" charset="77"/>
+            </a:endParaRPr>
           </a:p>
         </p:txBody>
       </p:sp>
@@ -5017,7 +4925,55 @@
                   <a:schemeClr val="bg2"/>
                 </a:solidFill>
               </a:rPr>
-              <a:t>قام ستيف </a:t>
+              <a:t>قام سامي بأرسال</a:t>
+            </a:r>
+            <a:r>
+              <a:rPr lang="en-US" sz="1200" dirty="0">
+                <a:solidFill>
+                  <a:schemeClr val="bg2"/>
+                </a:solidFill>
+              </a:rPr>
+              <a:t> EPIC </a:t>
+            </a:r>
+            <a:r>
+              <a:rPr lang="ar-SA" sz="1200" dirty="0">
+                <a:solidFill>
+                  <a:schemeClr val="bg2"/>
+                </a:solidFill>
+              </a:rPr>
+              <a:t>إلى هدي, هدي بدورها أرسلت </a:t>
+            </a:r>
+            <a:r>
+              <a:rPr lang="en-US" sz="1200" dirty="0">
+                <a:solidFill>
+                  <a:schemeClr val="bg2"/>
+                </a:solidFill>
+              </a:rPr>
+              <a:t>EPIC</a:t>
+            </a:r>
+            <a:r>
+              <a:rPr lang="ar-SA" sz="1200" dirty="0">
+                <a:solidFill>
+                  <a:schemeClr val="bg2"/>
+                </a:solidFill>
+              </a:rPr>
+              <a:t> الى أحمد, وأحمد يرسل الي كريم  </a:t>
+            </a:r>
+            <a:r>
+              <a:rPr lang="en-US" sz="1200" dirty="0">
+                <a:solidFill>
+                  <a:schemeClr val="bg2"/>
+                </a:solidFill>
+              </a:rPr>
+              <a:t>EPIC</a:t>
+            </a:r>
+            <a:r>
+              <a:rPr lang="ar-SA" sz="1200" dirty="0">
+                <a:solidFill>
+                  <a:schemeClr val="bg2"/>
+                </a:solidFill>
+              </a:rPr>
+              <a:t>  بدلاً من الاحتفاظ بجميع تفاصيل جميع المعاملات على </a:t>
             </a:r>
             <a:r>
               <a:rPr lang="ar-SA" sz="1200" dirty="0" err="1">
@@ -5025,7 +4981,7 @@
                   <a:schemeClr val="bg2"/>
                 </a:solidFill>
               </a:rPr>
-              <a:t>بارسال</a:t>
+              <a:t>البلوكتشين</a:t>
             </a:r>
             <a:r>
               <a:rPr lang="ar-SA" sz="1200" dirty="0">
@@ -5033,60 +4989,9 @@
                   <a:schemeClr val="bg2"/>
                 </a:solidFill>
               </a:rPr>
-              <a:t> </a:t>
-            </a:r>
-            <a:r>
-              <a:rPr lang="ar-SA" sz="1200" dirty="0" err="1">
-                <a:solidFill>
-                  <a:schemeClr val="bg2"/>
-                </a:solidFill>
-              </a:rPr>
-              <a:t>ايبك</a:t>
-            </a:r>
-            <a:r>
-              <a:rPr lang="ar-SA" sz="1200" dirty="0">
-                <a:solidFill>
-                  <a:schemeClr val="bg2"/>
-                </a:solidFill>
-              </a:rPr>
-              <a:t> الى كارول, كارول بدورها أرسلت </a:t>
-            </a:r>
-            <a:r>
-              <a:rPr lang="ar-SA" sz="1200" dirty="0" err="1">
-                <a:solidFill>
-                  <a:schemeClr val="bg2"/>
-                </a:solidFill>
-              </a:rPr>
-              <a:t>ايبك</a:t>
-            </a:r>
-            <a:r>
-              <a:rPr lang="ar-SA" sz="1200" dirty="0">
-                <a:solidFill>
-                  <a:schemeClr val="bg2"/>
-                </a:solidFill>
-              </a:rPr>
-              <a:t> الى </a:t>
-            </a:r>
-            <a:r>
-              <a:rPr lang="ar-SA" sz="1200" dirty="0" err="1">
-                <a:solidFill>
-                  <a:schemeClr val="bg2"/>
-                </a:solidFill>
-              </a:rPr>
-              <a:t>انوج</a:t>
-            </a:r>
-            <a:r>
-              <a:rPr lang="ar-SA" sz="1200" dirty="0">
-                <a:solidFill>
-                  <a:schemeClr val="bg2"/>
-                </a:solidFill>
-              </a:rPr>
-              <a:t>, بدل ان يتم تخزين كل الحركات التفصيلية على سلسلة الكتلة, يتم إزالة الصرف ومطابقة المصروف مستلم.</a:t>
-            </a:r>
-          </a:p>
-          <a:p>
-            <a:pPr algn="r" rtl="1"/>
-            <a:endParaRPr lang="en-BE" sz="1200" dirty="0">
+              <a:t>، </a:t>
+            </a:r>
+            <a:endParaRPr lang="en-US" sz="1200" dirty="0">
               <a:solidFill>
                 <a:schemeClr val="bg2"/>
               </a:solidFill>
@@ -5100,9 +5005,73 @@
                   <a:schemeClr val="bg2"/>
                 </a:solidFill>
               </a:rPr>
-              <a:t>بينما يتم الاحتفاظ بأثر السجل للحركات إضافة الى قيمة الصرف والمستلم الغير مطابقة , انها فكرة ذكية, كل زيادة في مطابقة ما تم صرفه وما تم استلامه يؤدي الى سلسلة كتلة أصغر.</a:t>
-            </a:r>
-            <a:endParaRPr lang="en-BE" sz="1200" dirty="0">
+              <a:t>يقوم تقليم الكتل</a:t>
+            </a:r>
+            <a:r>
+              <a:rPr lang="en-US" sz="1200" dirty="0">
+                <a:solidFill>
+                  <a:schemeClr val="bg2"/>
+                </a:solidFill>
+              </a:rPr>
+              <a:t> CUT-THROUGH </a:t>
+            </a:r>
+            <a:r>
+              <a:rPr lang="ar-SA" sz="1200" dirty="0">
+                <a:solidFill>
+                  <a:schemeClr val="bg2"/>
+                </a:solidFill>
+              </a:rPr>
+              <a:t>بإزالة المصروفات ومطابقة </a:t>
+            </a:r>
+            <a:r>
+              <a:rPr lang="ar-SA" sz="1200" dirty="0" err="1">
+                <a:solidFill>
+                  <a:schemeClr val="bg2"/>
+                </a:solidFill>
+              </a:rPr>
+              <a:t>المستلمات</a:t>
+            </a:r>
+            <a:r>
+              <a:rPr lang="ar-SA" sz="1200" dirty="0">
+                <a:solidFill>
+                  <a:schemeClr val="bg2"/>
+                </a:solidFill>
+              </a:rPr>
+              <a:t> التي تم إنفاقها. يتم الاحتفاظ بسجل التتبع الذي حدثت فيه المعاملة، جنبًا إلى جنب مع سجلات الإنفاق والاستلام المتبقية غير المتطابقة. إنها فكرة عبقرية ، فكلما زاد الإنفاق والاستلام المطابق، أصبح حجم سلسلة </a:t>
+            </a:r>
+            <a:r>
+              <a:rPr lang="ar-SA" sz="1200" dirty="0" err="1">
+                <a:solidFill>
+                  <a:schemeClr val="bg2"/>
+                </a:solidFill>
+              </a:rPr>
+              <a:t>بلوكتشين</a:t>
+            </a:r>
+            <a:r>
+              <a:rPr lang="ar-SA" sz="1200" dirty="0">
+                <a:solidFill>
+                  <a:schemeClr val="bg2"/>
+                </a:solidFill>
+              </a:rPr>
+              <a:t> </a:t>
+            </a:r>
+            <a:r>
+              <a:rPr lang="en-US" sz="1200" dirty="0">
+                <a:solidFill>
+                  <a:schemeClr val="bg2"/>
+                </a:solidFill>
+              </a:rPr>
+              <a:t>EPIC  </a:t>
+            </a:r>
+            <a:r>
+              <a:rPr lang="ar-SA" sz="1200" dirty="0">
+                <a:solidFill>
+                  <a:schemeClr val="bg2"/>
+                </a:solidFill>
+              </a:rPr>
+              <a:t>أصغر.</a:t>
+            </a:r>
+            <a:endParaRPr lang="en-US" sz="1200" dirty="0">
               <a:solidFill>
                 <a:schemeClr val="bg2"/>
               </a:solidFill>
@@ -5116,32 +5085,24 @@
                   <a:schemeClr val="bg2"/>
                 </a:solidFill>
               </a:rPr>
-              <a:t> </a:t>
-            </a:r>
-            <a:endParaRPr lang="en-BE" sz="1200" dirty="0">
-              <a:solidFill>
-                <a:schemeClr val="bg2"/>
-              </a:solidFill>
-            </a:endParaRPr>
-          </a:p>
-          <a:p>
-            <a:pPr algn="r" rtl="1"/>
+              <a:t> ميزة إضافية هي أنها تثبت مستقبل </a:t>
+            </a:r>
+            <a:r>
+              <a:rPr lang="ar-SA" sz="1200" dirty="0" err="1">
+                <a:solidFill>
+                  <a:schemeClr val="bg2"/>
+                </a:solidFill>
+              </a:rPr>
+              <a:t>البلوكتشين</a:t>
+            </a:r>
             <a:r>
               <a:rPr lang="ar-SA" sz="1200" dirty="0">
                 <a:solidFill>
                   <a:schemeClr val="bg2"/>
                 </a:solidFill>
               </a:rPr>
-              <a:t>فائدة إضافية ودليل مستقبلي لأغراض التحري والتحقيق والتحليل لسلسلة الكتلة, في حال عدم وجود البيانات لا يمكن استردادها.</a:t>
-            </a:r>
-            <a:endParaRPr lang="en-BE" sz="1200" dirty="0">
-              <a:solidFill>
-                <a:schemeClr val="bg2"/>
-              </a:solidFill>
-            </a:endParaRPr>
-          </a:p>
-          <a:p>
-            <a:pPr rtl="1"/>
+              <a:t> من التقدم في تحليل مشروع. إذا لم تكن بيانات المعاملة موجودة ، فلا يمكن استعادتها!</a:t>
+            </a:r>
             <a:r>
               <a:rPr lang="ar-SA" dirty="0"/>
               <a:t> </a:t>
@@ -5213,6 +5174,128 @@
               </a:rPr>
               <a:t> Feb 2021</a:t>
             </a:r>
+          </a:p>
+        </p:txBody>
+      </p:sp>
+      <p:sp>
+        <p:nvSpPr>
+          <p:cNvPr id="41" name="TextBox 73">
+            <a:extLst>
+              <a:ext uri="{FF2B5EF4-FFF2-40B4-BE49-F238E27FC236}">
+                <a16:creationId xmlns:a16="http://schemas.microsoft.com/office/drawing/2014/main" id="{16F86172-7C50-4894-AD42-94F985454C62}"/>
+              </a:ext>
+            </a:extLst>
+          </p:cNvPr>
+          <p:cNvSpPr txBox="1"/>
+          <p:nvPr/>
+        </p:nvSpPr>
+        <p:spPr>
+          <a:xfrm>
+            <a:off x="4368067" y="147572"/>
+            <a:ext cx="2300394" cy="819929"/>
+          </a:xfrm>
+          <a:prstGeom prst="rect">
+            <a:avLst/>
+          </a:prstGeom>
+          <a:noFill/>
+        </p:spPr>
+        <p:txBody>
+          <a:bodyPr wrap="none" lIns="0" rIns="0" rtlCol="0">
+            <a:noAutofit/>
+          </a:bodyPr>
+          <a:lstStyle/>
+          <a:p>
+            <a:pPr algn="ctr" rtl="1">
+              <a:lnSpc>
+                <a:spcPct val="85000"/>
+              </a:lnSpc>
+            </a:pPr>
+            <a:r>
+              <a:rPr lang="ar-SA" sz="2800" b="1" dirty="0">
+                <a:solidFill>
+                  <a:schemeClr val="tx1">
+                    <a:lumMod val="75000"/>
+                  </a:schemeClr>
+                </a:solidFill>
+                <a:latin typeface="Gotham HTF Book" pitchFamily="2" charset="77"/>
+              </a:rPr>
+              <a:t>شرح عملية القطع</a:t>
+            </a:r>
+            <a:endParaRPr lang="ar-SA" sz="2800" b="1" dirty="0">
+              <a:solidFill>
+                <a:schemeClr val="bg1"/>
+              </a:solidFill>
+              <a:latin typeface="Gotham HTF Black" pitchFamily="2" charset="77"/>
+            </a:endParaRPr>
+          </a:p>
+          <a:p>
+            <a:pPr algn="ctr" rtl="1">
+              <a:lnSpc>
+                <a:spcPct val="85000"/>
+              </a:lnSpc>
+            </a:pPr>
+            <a:r>
+              <a:rPr lang="ar-SA" sz="2800" b="1" dirty="0">
+                <a:solidFill>
+                  <a:schemeClr val="bg1"/>
+                </a:solidFill>
+                <a:latin typeface="Gotham HTF Black" pitchFamily="2" charset="77"/>
+              </a:rPr>
+              <a:t>تقليم الكتل</a:t>
+            </a:r>
+            <a:endParaRPr lang="en-US" sz="2800" dirty="0">
+              <a:solidFill>
+                <a:schemeClr val="tx2"/>
+              </a:solidFill>
+              <a:latin typeface="Gotham HTF Book" pitchFamily="2" charset="77"/>
+            </a:endParaRPr>
+          </a:p>
+        </p:txBody>
+      </p:sp>
+      <p:sp>
+        <p:nvSpPr>
+          <p:cNvPr id="42" name="TextBox 99">
+            <a:extLst>
+              <a:ext uri="{FF2B5EF4-FFF2-40B4-BE49-F238E27FC236}">
+                <a16:creationId xmlns:a16="http://schemas.microsoft.com/office/drawing/2014/main" id="{C28B54A7-AB40-44C4-A774-3791BF92417F}"/>
+              </a:ext>
+            </a:extLst>
+          </p:cNvPr>
+          <p:cNvSpPr txBox="1"/>
+          <p:nvPr/>
+        </p:nvSpPr>
+        <p:spPr>
+          <a:xfrm>
+            <a:off x="5591515" y="2842825"/>
+            <a:ext cx="658970" cy="321243"/>
+          </a:xfrm>
+          <a:prstGeom prst="rect">
+            <a:avLst/>
+          </a:prstGeom>
+          <a:noFill/>
+        </p:spPr>
+        <p:txBody>
+          <a:bodyPr wrap="none" lIns="0" rtlCol="0">
+            <a:noAutofit/>
+          </a:bodyPr>
+          <a:lstStyle/>
+          <a:p>
+            <a:pPr algn="ctr"/>
+            <a:r>
+              <a:rPr lang="ar-SA" sz="1400" b="1" dirty="0">
+                <a:solidFill>
+                  <a:schemeClr val="tx2"/>
+                </a:solidFill>
+                <a:latin typeface="Gotham HTF Book" pitchFamily="2" charset="77"/>
+              </a:rPr>
+              <a:t>هدي</a:t>
+            </a:r>
+            <a:endParaRPr lang="en-US" sz="1400" b="1" dirty="0">
+              <a:solidFill>
+                <a:schemeClr val="tx2"/>
+              </a:solidFill>
+              <a:latin typeface="Gotham HTF Book" pitchFamily="2" charset="77"/>
+            </a:endParaRPr>
           </a:p>
         </p:txBody>
       </p:sp>
